--- a/Programming 4/11.1 Intro to Programming Paradigms/11.1 Intro to Programming Paradigms.pptx
+++ b/Programming 4/11.1 Intro to Programming Paradigms/11.1 Intro to Programming Paradigms.pptx
@@ -238,7 +238,7 @@
           <a:p>
             <a:fld id="{9DD7C0D3-76A8-3943-81E5-A2555E510740}" type="datetimeFigureOut">
               <a:rPr lang="en-US" smtClean="0"/>
-              <a:t>7/8/19</a:t>
+              <a:t>10/15/19</a:t>
             </a:fld>
             <a:endParaRPr lang="en-US"/>
           </a:p>
@@ -687,7 +687,7 @@
           <a:p>
             <a:fld id="{F8166F1F-CE9B-4651-A6AA-CD717754106B}" type="datetimeFigureOut">
               <a:rPr lang="en-US" smtClean="0"/>
-              <a:t>7/8/19</a:t>
+              <a:t>10/15/19</a:t>
             </a:fld>
             <a:endParaRPr lang="en-US"/>
           </a:p>
@@ -852,7 +852,7 @@
           <a:p>
             <a:fld id="{A76116CE-C4A3-4A05-B2D7-7C2E9A889C0F}" type="datetimeFigureOut">
               <a:rPr lang="en-US" smtClean="0"/>
-              <a:t>7/8/19</a:t>
+              <a:t>10/15/19</a:t>
             </a:fld>
             <a:endParaRPr lang="en-US"/>
           </a:p>
@@ -1027,7 +1027,7 @@
           <a:p>
             <a:fld id="{A76116CE-C4A3-4A05-B2D7-7C2E9A889C0F}" type="datetimeFigureOut">
               <a:rPr lang="en-US" smtClean="0"/>
-              <a:t>7/8/19</a:t>
+              <a:t>10/15/19</a:t>
             </a:fld>
             <a:endParaRPr lang="en-US"/>
           </a:p>
@@ -1194,7 +1194,7 @@
           <a:p>
             <a:fld id="{A76116CE-C4A3-4A05-B2D7-7C2E9A889C0F}" type="datetimeFigureOut">
               <a:rPr lang="en-US" smtClean="0"/>
-              <a:t>7/8/19</a:t>
+              <a:t>10/15/19</a:t>
             </a:fld>
             <a:endParaRPr lang="en-US"/>
           </a:p>
@@ -1435,7 +1435,7 @@
           <a:p>
             <a:fld id="{A76116CE-C4A3-4A05-B2D7-7C2E9A889C0F}" type="datetimeFigureOut">
               <a:rPr lang="en-US" smtClean="0"/>
-              <a:t>7/8/19</a:t>
+              <a:t>10/15/19</a:t>
             </a:fld>
             <a:endParaRPr lang="en-US"/>
           </a:p>
@@ -1718,7 +1718,7 @@
           <a:p>
             <a:fld id="{A76116CE-C4A3-4A05-B2D7-7C2E9A889C0F}" type="datetimeFigureOut">
               <a:rPr lang="en-US" smtClean="0"/>
-              <a:t>7/8/19</a:t>
+              <a:t>10/15/19</a:t>
             </a:fld>
             <a:endParaRPr lang="en-US"/>
           </a:p>
@@ -2135,7 +2135,7 @@
           <a:p>
             <a:fld id="{A76116CE-C4A3-4A05-B2D7-7C2E9A889C0F}" type="datetimeFigureOut">
               <a:rPr lang="en-US" smtClean="0"/>
-              <a:t>7/8/19</a:t>
+              <a:t>10/15/19</a:t>
             </a:fld>
             <a:endParaRPr lang="en-US"/>
           </a:p>
@@ -2248,7 +2248,7 @@
           <a:p>
             <a:fld id="{A76116CE-C4A3-4A05-B2D7-7C2E9A889C0F}" type="datetimeFigureOut">
               <a:rPr lang="en-US" smtClean="0"/>
-              <a:t>7/8/19</a:t>
+              <a:t>10/15/19</a:t>
             </a:fld>
             <a:endParaRPr lang="en-US"/>
           </a:p>
@@ -2338,7 +2338,7 @@
           <a:p>
             <a:fld id="{A76116CE-C4A3-4A05-B2D7-7C2E9A889C0F}" type="datetimeFigureOut">
               <a:rPr lang="en-US" smtClean="0"/>
-              <a:t>7/8/19</a:t>
+              <a:t>10/15/19</a:t>
             </a:fld>
             <a:endParaRPr lang="en-US"/>
           </a:p>
@@ -2610,7 +2610,7 @@
           <a:p>
             <a:fld id="{A76116CE-C4A3-4A05-B2D7-7C2E9A889C0F}" type="datetimeFigureOut">
               <a:rPr lang="en-US" smtClean="0"/>
-              <a:t>7/8/19</a:t>
+              <a:t>10/15/19</a:t>
             </a:fld>
             <a:endParaRPr lang="en-US"/>
           </a:p>
@@ -2858,7 +2858,7 @@
           <a:p>
             <a:fld id="{A76116CE-C4A3-4A05-B2D7-7C2E9A889C0F}" type="datetimeFigureOut">
               <a:rPr lang="en-US" smtClean="0"/>
-              <a:t>7/8/19</a:t>
+              <a:t>10/15/19</a:t>
             </a:fld>
             <a:endParaRPr lang="en-US"/>
           </a:p>
@@ -3066,7 +3066,7 @@
           <a:p>
             <a:fld id="{F8166F1F-CE9B-4651-A6AA-CD717754106B}" type="datetimeFigureOut">
               <a:rPr lang="en-US" smtClean="0"/>
-              <a:t>7/8/19</a:t>
+              <a:t>10/15/19</a:t>
             </a:fld>
             <a:endParaRPr lang="en-US"/>
           </a:p>
@@ -3604,13 +3604,8 @@
             </a:pPr>
             <a:r>
               <a:rPr lang="en-US" sz="2500" dirty="0" smtClean="0"/>
-              <a:t>Building logic without describing its </a:t>
-            </a:r>
-            <a:r>
-              <a:rPr lang="en-US" sz="2500" dirty="0" smtClean="0"/>
-              <a:t>flow</a:t>
-            </a:r>
-            <a:endParaRPr lang="en-US" sz="2500" dirty="0" smtClean="0"/>
+              <a:t>Building logic without describing its flow</a:t>
+            </a:r>
           </a:p>
           <a:p>
             <a:pPr marL="1657350" lvl="2" indent="-742950">
@@ -3630,13 +3625,8 @@
             </a:r>
             <a:r>
               <a:rPr lang="en-US" sz="2500" dirty="0" smtClean="0"/>
-              <a:t>XML and </a:t>
-            </a:r>
-            <a:r>
-              <a:rPr lang="en-US" sz="2500" dirty="0" smtClean="0"/>
-              <a:t>SQL</a:t>
-            </a:r>
-            <a:endParaRPr lang="en-US" sz="2500" dirty="0" smtClean="0"/>
+              <a:t>XML and SQL</a:t>
+            </a:r>
           </a:p>
         </p:txBody>
       </p:sp>
@@ -3731,13 +3721,8 @@
             </a:pPr>
             <a:r>
               <a:rPr lang="en-US" sz="2500" dirty="0" smtClean="0"/>
-              <a:t>Based on predicate </a:t>
-            </a:r>
-            <a:r>
-              <a:rPr lang="en-US" sz="2500" dirty="0" smtClean="0"/>
-              <a:t>calculus</a:t>
-            </a:r>
-            <a:endParaRPr lang="en-US" sz="2500" dirty="0" smtClean="0"/>
+              <a:t>Based on predicate calculus</a:t>
+            </a:r>
           </a:p>
           <a:p>
             <a:pPr marL="1657350" lvl="2" indent="-742950">
@@ -3746,13 +3731,8 @@
             </a:pPr>
             <a:r>
               <a:rPr lang="en-US" sz="2500" dirty="0" smtClean="0"/>
-              <a:t>Statements are expressed as facts and </a:t>
-            </a:r>
-            <a:r>
-              <a:rPr lang="en-US" sz="2500" dirty="0" smtClean="0"/>
-              <a:t>rules</a:t>
-            </a:r>
-            <a:endParaRPr lang="en-US" sz="2500" dirty="0" smtClean="0"/>
+              <a:t>Statements are expressed as facts and rules</a:t>
+            </a:r>
           </a:p>
           <a:p>
             <a:pPr marL="1657350" lvl="2" indent="-742950">
@@ -3761,13 +3741,8 @@
             </a:pPr>
             <a:r>
               <a:rPr lang="en-US" sz="2500" dirty="0" smtClean="0"/>
-              <a:t>Examples of logical languages are Alma-0 and </a:t>
-            </a:r>
-            <a:r>
-              <a:rPr lang="en-US" sz="2500" dirty="0" smtClean="0"/>
-              <a:t>Prolog</a:t>
-            </a:r>
-            <a:endParaRPr lang="en-US" sz="2500" dirty="0" smtClean="0"/>
+              <a:t>Examples of logical languages are Alma-0 and Prolog</a:t>
+            </a:r>
           </a:p>
         </p:txBody>
       </p:sp>
@@ -3983,13 +3958,8 @@
             </a:pPr>
             <a:r>
               <a:rPr lang="en-US" sz="2500" dirty="0" smtClean="0"/>
-              <a:t>A set of </a:t>
-            </a:r>
-            <a:r>
-              <a:rPr lang="en-US" sz="2500" dirty="0" smtClean="0"/>
-              <a:t>rules</a:t>
-            </a:r>
-            <a:endParaRPr lang="en-US" sz="2500" dirty="0" smtClean="0"/>
+              <a:t>A set of rules</a:t>
+            </a:r>
           </a:p>
           <a:p>
             <a:pPr marL="1657350" lvl="2" indent="-742950">
@@ -4164,13 +4134,8 @@
             </a:pPr>
             <a:r>
               <a:rPr lang="en-US" sz="2500" dirty="0" smtClean="0"/>
-              <a:t>Strong typed vs. weak </a:t>
-            </a:r>
-            <a:r>
-              <a:rPr lang="en-US" sz="2500" dirty="0" smtClean="0"/>
-              <a:t>typed</a:t>
-            </a:r>
-            <a:endParaRPr lang="en-US" sz="2500" dirty="0" smtClean="0"/>
+              <a:t>Strong typed vs. weak typed</a:t>
+            </a:r>
           </a:p>
           <a:p>
             <a:pPr marL="1657350" lvl="2" indent="-742950">
@@ -4187,11 +4152,7 @@
             </a:r>
             <a:r>
               <a:rPr lang="en-US" sz="2500" dirty="0" smtClean="0"/>
-              <a:t>dynamic </a:t>
-            </a:r>
-            <a:r>
-              <a:rPr lang="en-US" sz="2500" dirty="0" smtClean="0"/>
-              <a:t>typed</a:t>
+              <a:t>dynamic typed</a:t>
             </a:r>
             <a:endParaRPr lang="en-US" sz="2500" dirty="0"/>
           </a:p>
@@ -4363,13 +4324,8 @@
             </a:pPr>
             <a:r>
               <a:rPr lang="en-US" sz="2500" dirty="0" smtClean="0"/>
-              <a:t>World’s fastest growing programming </a:t>
-            </a:r>
-            <a:r>
-              <a:rPr lang="en-US" sz="2500" dirty="0" smtClean="0"/>
-              <a:t>language</a:t>
-            </a:r>
-            <a:endParaRPr lang="en-US" sz="2500" dirty="0" smtClean="0"/>
+              <a:t>World’s fastest growing programming language</a:t>
+            </a:r>
           </a:p>
           <a:p>
             <a:pPr marL="1657350" lvl="2" indent="-742950">
@@ -4385,13 +4341,8 @@
             <a:pPr lvl="2"/>
             <a:r>
               <a:rPr lang="en-US" sz="2500" dirty="0" smtClean="0"/>
-              <a:t>	language with functional </a:t>
-            </a:r>
-            <a:r>
-              <a:rPr lang="en-US" sz="2500" dirty="0" smtClean="0"/>
-              <a:t>features</a:t>
-            </a:r>
-            <a:endParaRPr lang="en-US" sz="2500" dirty="0" smtClean="0"/>
+              <a:t>	language with functional features</a:t>
+            </a:r>
           </a:p>
           <a:p>
             <a:pPr marL="1657350" lvl="2" indent="-742950">
@@ -4400,13 +4351,8 @@
             </a:pPr>
             <a:r>
               <a:rPr lang="en-US" sz="2500" dirty="0" smtClean="0"/>
-              <a:t>Solve problems in less time with fewer lines of </a:t>
-            </a:r>
-            <a:r>
-              <a:rPr lang="en-US" sz="2500" dirty="0" smtClean="0"/>
-              <a:t>code</a:t>
-            </a:r>
-            <a:endParaRPr lang="en-US" sz="2500" dirty="0" smtClean="0"/>
+              <a:t>Solve problems in less time with fewer lines of code</a:t>
+            </a:r>
           </a:p>
           <a:p>
             <a:pPr marL="1657350" lvl="2" indent="-742950">
@@ -4415,13 +4361,8 @@
             </a:pPr>
             <a:r>
               <a:rPr lang="en-US" sz="2500" dirty="0" smtClean="0"/>
-              <a:t>Compiles to byte code, then </a:t>
-            </a:r>
-            <a:r>
-              <a:rPr lang="en-US" sz="2500" dirty="0" smtClean="0"/>
-              <a:t>interpreted</a:t>
-            </a:r>
-            <a:endParaRPr lang="en-US" sz="2500" dirty="0" smtClean="0"/>
+              <a:t>Compiles to byte code, then interpreted</a:t>
+            </a:r>
           </a:p>
           <a:p>
             <a:pPr marL="1657350" lvl="2" indent="-742950">
@@ -4438,13 +4379,8 @@
             </a:r>
             <a:r>
               <a:rPr lang="en-US" sz="2500" dirty="0" smtClean="0"/>
-              <a:t> garbage </a:t>
-            </a:r>
-            <a:r>
-              <a:rPr lang="en-US" sz="2500" dirty="0" smtClean="0"/>
-              <a:t>collection</a:t>
-            </a:r>
-            <a:endParaRPr lang="en-US" sz="2500" dirty="0" smtClean="0"/>
+              <a:t> garbage collection</a:t>
+            </a:r>
           </a:p>
           <a:p>
             <a:pPr marL="1657350" lvl="2" indent="-742950">
@@ -4455,7 +4391,6 @@
               <a:rPr lang="en-US" sz="2500" dirty="0" smtClean="0"/>
               <a:t>Cross-platform</a:t>
             </a:r>
-            <a:endParaRPr lang="en-US" sz="2500" dirty="0" smtClean="0"/>
           </a:p>
           <a:p>
             <a:pPr marL="1657350" lvl="2" indent="-742950">
@@ -4464,13 +4399,8 @@
             </a:pPr>
             <a:r>
               <a:rPr lang="en-US" sz="2500" dirty="0" smtClean="0"/>
-              <a:t>Huge </a:t>
-            </a:r>
-            <a:r>
-              <a:rPr lang="en-US" sz="2500" dirty="0" smtClean="0"/>
-              <a:t>community</a:t>
-            </a:r>
-            <a:endParaRPr lang="en-US" sz="2500" dirty="0" smtClean="0"/>
+              <a:t>Huge community</a:t>
+            </a:r>
           </a:p>
           <a:p>
             <a:pPr marL="1657350" lvl="2" indent="-742950">
@@ -4479,13 +4409,8 @@
             </a:pPr>
             <a:r>
               <a:rPr lang="en-US" sz="2500" dirty="0" smtClean="0"/>
-              <a:t>Large </a:t>
-            </a:r>
-            <a:r>
-              <a:rPr lang="en-US" sz="2500" dirty="0" smtClean="0"/>
-              <a:t>ecosystem</a:t>
-            </a:r>
-            <a:endParaRPr lang="en-US" sz="2500" dirty="0" smtClean="0"/>
+              <a:t>Large ecosystem</a:t>
+            </a:r>
           </a:p>
           <a:p>
             <a:pPr marL="1657350" lvl="2" indent="-742950">
@@ -4594,13 +4519,8 @@
             <a:pPr lvl="2"/>
             <a:r>
               <a:rPr lang="en-AU" sz="2500" dirty="0" smtClean="0"/>
-              <a:t>	multi-line </a:t>
-            </a:r>
-            <a:r>
-              <a:rPr lang="en-AU" sz="2500" dirty="0" smtClean="0"/>
-              <a:t>comments</a:t>
-            </a:r>
-            <a:endParaRPr lang="en-AU" sz="2500" dirty="0" smtClean="0"/>
+              <a:t>	multi-line comments</a:t>
+            </a:r>
           </a:p>
           <a:p>
             <a:pPr marL="1657350" lvl="2" indent="-742950">
@@ -4609,13 +4529,8 @@
             </a:pPr>
             <a:r>
               <a:rPr lang="en-AU" sz="2500" dirty="0" smtClean="0"/>
-              <a:t>No semi-colons at the end of </a:t>
-            </a:r>
-            <a:r>
-              <a:rPr lang="en-AU" sz="2500" dirty="0" smtClean="0"/>
-              <a:t>statements</a:t>
-            </a:r>
-            <a:endParaRPr lang="en-AU" sz="2500" dirty="0" smtClean="0"/>
+              <a:t>No semi-colons at the end of statements</a:t>
+            </a:r>
           </a:p>
           <a:p>
             <a:pPr marL="1657350" lvl="2" indent="-742950">
@@ -4624,13 +4539,8 @@
             </a:pPr>
             <a:r>
               <a:rPr lang="en-AU" sz="2500" dirty="0" smtClean="0"/>
-              <a:t>Use indentation for code </a:t>
-            </a:r>
-            <a:r>
-              <a:rPr lang="en-AU" sz="2500" dirty="0" smtClean="0"/>
-              <a:t>blocks</a:t>
-            </a:r>
-            <a:endParaRPr lang="en-AU" sz="2500" dirty="0" smtClean="0"/>
+              <a:t>Use indentation for code blocks</a:t>
+            </a:r>
           </a:p>
           <a:p>
             <a:pPr marL="1657350" lvl="2" indent="-742950">
@@ -4654,13 +4564,8 @@
             <a:pPr lvl="2"/>
             <a:r>
               <a:rPr lang="en-AU" sz="2500" dirty="0" smtClean="0"/>
-              <a:t>	four </a:t>
-            </a:r>
-            <a:r>
-              <a:rPr lang="en-AU" sz="2500" dirty="0" smtClean="0"/>
-              <a:t>spaces</a:t>
-            </a:r>
-            <a:endParaRPr lang="en-AU" sz="2500" dirty="0" smtClean="0"/>
+              <a:t>	four spaces</a:t>
+            </a:r>
           </a:p>
           <a:p>
             <a:pPr marL="1657350" lvl="2" indent="-742950">
@@ -4769,13 +4674,8 @@
             </a:pPr>
             <a:r>
               <a:rPr lang="en-AU" sz="2500" dirty="0" smtClean="0"/>
-              <a:t>Six principal in-built types in </a:t>
-            </a:r>
-            <a:r>
-              <a:rPr lang="en-AU" sz="2500" dirty="0" smtClean="0"/>
-              <a:t>Python</a:t>
-            </a:r>
-            <a:endParaRPr lang="en-AU" sz="2500" dirty="0" smtClean="0"/>
+              <a:t>Six principal in-built types in Python</a:t>
+            </a:r>
           </a:p>
           <a:p>
             <a:pPr marL="1657350" lvl="2" indent="-742950">
@@ -4784,11 +4684,7 @@
             </a:pPr>
             <a:r>
               <a:rPr lang="en-AU" sz="2500" dirty="0" smtClean="0"/>
-              <a:t>Types are not declared, they are </a:t>
-            </a:r>
-            <a:r>
-              <a:rPr lang="en-AU" sz="2500" dirty="0" smtClean="0"/>
-              <a:t>inferred</a:t>
+              <a:t>Types are not declared, they are inferred</a:t>
             </a:r>
             <a:endParaRPr lang="en-US" sz="2500" dirty="0" smtClean="0"/>
           </a:p>
@@ -4965,13 +4861,8 @@
             </a:pPr>
             <a:r>
               <a:rPr lang="en-AU" sz="2500" dirty="0" smtClean="0"/>
-              <a:t>Special </a:t>
-            </a:r>
-            <a:r>
-              <a:rPr lang="en-AU" sz="2500" dirty="0" smtClean="0"/>
-              <a:t>Operators</a:t>
-            </a:r>
-            <a:endParaRPr lang="en-AU" sz="2500" dirty="0" smtClean="0"/>
+              <a:t>Special Operators</a:t>
+            </a:r>
           </a:p>
           <a:p>
             <a:pPr marL="2114550" lvl="3" indent="-742950">
@@ -5159,7 +5050,7 @@
         <p:spPr>
           <a:xfrm>
             <a:off x="6096" y="6096"/>
-            <a:ext cx="9144000" cy="3147015"/>
+            <a:ext cx="9144000" cy="3531736"/>
           </a:xfrm>
           <a:prstGeom prst="rect">
             <a:avLst/>
@@ -5193,13 +5084,8 @@
             </a:pPr>
             <a:r>
               <a:rPr lang="en-US" sz="2500" dirty="0" smtClean="0"/>
-              <a:t>Last week was the end of the C++ CLI </a:t>
-            </a:r>
-            <a:r>
-              <a:rPr lang="en-US" sz="2500" dirty="0" smtClean="0"/>
-              <a:t>content</a:t>
-            </a:r>
-            <a:endParaRPr lang="en-US" sz="2500" dirty="0" smtClean="0"/>
+              <a:t>Last week was the end of the C++ CLI content</a:t>
+            </a:r>
           </a:p>
           <a:p>
             <a:pPr marL="1657350" lvl="2" indent="-742950">
@@ -5225,7 +5111,6 @@
               <a:rPr lang="en-US" sz="2500" dirty="0" smtClean="0"/>
               <a:t>paradigms</a:t>
             </a:r>
-            <a:endParaRPr lang="en-US" sz="2500" dirty="0" smtClean="0"/>
           </a:p>
           <a:p>
             <a:pPr marL="1657350" lvl="2" indent="-742950">
@@ -5234,11 +5119,19 @@
             </a:pPr>
             <a:r>
               <a:rPr lang="en-US" sz="2500" dirty="0" smtClean="0"/>
-              <a:t>Roguelike assignment is due next Friday </a:t>
+              <a:t>Roguelike assignment is due </a:t>
             </a:r>
             <a:r>
               <a:rPr lang="en-US" sz="2500" dirty="0" smtClean="0"/>
-              <a:t>5pm</a:t>
+              <a:t>1</a:t>
+            </a:r>
+            <a:r>
+              <a:rPr lang="en-US" sz="2500" baseline="30000" dirty="0" smtClean="0"/>
+              <a:t>st</a:t>
+            </a:r>
+            <a:r>
+              <a:rPr lang="en-US" sz="2500" dirty="0" smtClean="0"/>
+              <a:t> November. PM if you 	can’t make this date.</a:t>
             </a:r>
             <a:endParaRPr lang="en-US" sz="2500" dirty="0" smtClean="0"/>
           </a:p>
@@ -5602,14 +5495,14 @@
                 <a:gridCol w="3029382">
                   <a:extLst>
                     <a:ext uri="{9D8B030D-6E8A-4147-A177-3AD203B41FA5}">
-                      <a16:colId xmlns:a16="http://schemas.microsoft.com/office/drawing/2014/main" xmlns="" val="1878650380"/>
+                      <a16:colId xmlns="" xmlns:a16="http://schemas.microsoft.com/office/drawing/2014/main" val="1878650380"/>
                     </a:ext>
                   </a:extLst>
                 </a:gridCol>
                 <a:gridCol w="2095468">
                   <a:extLst>
                     <a:ext uri="{9D8B030D-6E8A-4147-A177-3AD203B41FA5}">
-                      <a16:colId xmlns:a16="http://schemas.microsoft.com/office/drawing/2014/main" xmlns="" val="3514817832"/>
+                      <a16:colId xmlns="" xmlns:a16="http://schemas.microsoft.com/office/drawing/2014/main" val="3514817832"/>
                     </a:ext>
                   </a:extLst>
                 </a:gridCol>
@@ -5705,7 +5598,7 @@
                 </a:tc>
                 <a:extLst>
                   <a:ext uri="{0D108BD9-81ED-4DB2-BD59-A6C34878D82A}">
-                    <a16:rowId xmlns:a16="http://schemas.microsoft.com/office/drawing/2014/main" xmlns="" val="3083959343"/>
+                    <a16:rowId xmlns="" xmlns:a16="http://schemas.microsoft.com/office/drawing/2014/main" val="3083959343"/>
                   </a:ext>
                 </a:extLst>
               </a:tr>
@@ -5760,7 +5653,7 @@
                 </a:tc>
                 <a:extLst>
                   <a:ext uri="{0D108BD9-81ED-4DB2-BD59-A6C34878D82A}">
-                    <a16:rowId xmlns:a16="http://schemas.microsoft.com/office/drawing/2014/main" xmlns="" val="324899849"/>
+                    <a16:rowId xmlns="" xmlns:a16="http://schemas.microsoft.com/office/drawing/2014/main" val="324899849"/>
                   </a:ext>
                 </a:extLst>
               </a:tr>
@@ -6115,7 +6008,7 @@
                 </a:tc>
                 <a:extLst>
                   <a:ext uri="{0D108BD9-81ED-4DB2-BD59-A6C34878D82A}">
-                    <a16:rowId xmlns:a16="http://schemas.microsoft.com/office/drawing/2014/main" xmlns="" val="1715622986"/>
+                    <a16:rowId xmlns="" xmlns:a16="http://schemas.microsoft.com/office/drawing/2014/main" val="1715622986"/>
                   </a:ext>
                 </a:extLst>
               </a:tr>
@@ -6466,13 +6359,8 @@
             </a:r>
             <a:r>
               <a:rPr lang="en-AU" sz="2500" dirty="0" smtClean="0"/>
-              <a:t>	</a:t>
-            </a:r>
-            <a:r>
-              <a:rPr lang="en-AU" sz="2500" dirty="0" smtClean="0"/>
-              <a:t>interpreter</a:t>
-            </a:r>
-            <a:endParaRPr lang="en-AU" sz="2500" dirty="0" smtClean="0"/>
+              <a:t>	interpreter</a:t>
+            </a:r>
           </a:p>
           <a:p>
             <a:pPr marL="1657350" lvl="2" indent="-742950">
@@ -6489,13 +6377,8 @@
             </a:r>
             <a:r>
               <a:rPr lang="en-AU" sz="2500" dirty="0" smtClean="0"/>
-              <a:t> the type of object is converted using a 	predefined </a:t>
-            </a:r>
-            <a:r>
-              <a:rPr lang="en-AU" sz="2500" dirty="0" smtClean="0"/>
-              <a:t>function</a:t>
-            </a:r>
-            <a:endParaRPr lang="en-AU" sz="2500" dirty="0" smtClean="0"/>
+              <a:t> the type of object is converted using a 	predefined function</a:t>
+            </a:r>
           </a:p>
           <a:p>
             <a:pPr marL="2114550" lvl="3" indent="-742950">
@@ -6837,11 +6720,7 @@
             </a:pPr>
             <a:r>
               <a:rPr lang="en-AU" sz="2500" dirty="0" smtClean="0"/>
-              <a:t>If </a:t>
-            </a:r>
-            <a:r>
-              <a:rPr lang="en-AU" sz="2500" dirty="0" smtClean="0"/>
-              <a:t>statement</a:t>
+              <a:t>If statement</a:t>
             </a:r>
             <a:endParaRPr lang="en-US" sz="2500" dirty="0"/>
           </a:p>
@@ -6852,13 +6731,8 @@
             </a:pPr>
             <a:r>
               <a:rPr lang="en-US" sz="2500" dirty="0" smtClean="0"/>
-              <a:t>For </a:t>
-            </a:r>
-            <a:r>
-              <a:rPr lang="en-US" sz="2500" dirty="0" smtClean="0"/>
-              <a:t>statement</a:t>
-            </a:r>
-            <a:endParaRPr lang="en-US" sz="2500" dirty="0" smtClean="0"/>
+              <a:t>For statement</a:t>
+            </a:r>
           </a:p>
           <a:p>
             <a:pPr marL="1657350" lvl="2" indent="-742950">
@@ -6867,11 +6741,7 @@
             </a:pPr>
             <a:r>
               <a:rPr lang="en-US" sz="2500" dirty="0" smtClean="0"/>
-              <a:t>While </a:t>
-            </a:r>
-            <a:r>
-              <a:rPr lang="en-US" sz="2500" dirty="0" smtClean="0"/>
-              <a:t>statement</a:t>
+              <a:t>While statement</a:t>
             </a:r>
             <a:endParaRPr lang="en-AU" sz="2500" dirty="0"/>
           </a:p>
@@ -7151,13 +7021,8 @@
             <a:pPr lvl="2"/>
             <a:r>
               <a:rPr lang="en-US" sz="2500" dirty="0" smtClean="0"/>
-              <a:t>	of </a:t>
-            </a:r>
-            <a:r>
-              <a:rPr lang="en-US" sz="2500" dirty="0" smtClean="0"/>
-              <a:t>choices</a:t>
-            </a:r>
-            <a:endParaRPr lang="en-US" sz="2500" dirty="0" smtClean="0"/>
+              <a:t>	of choices</a:t>
+            </a:r>
           </a:p>
           <a:p>
             <a:pPr marL="1657350" lvl="2" indent="-742950">
@@ -7173,13 +7038,8 @@
             <a:pPr lvl="3"/>
             <a:r>
               <a:rPr lang="en-US" sz="2500" dirty="0" smtClean="0"/>
-              <a:t>	or do a </a:t>
-            </a:r>
-            <a:r>
-              <a:rPr lang="en-US" sz="2500" dirty="0" smtClean="0"/>
-              <a:t>task</a:t>
-            </a:r>
-            <a:endParaRPr lang="en-US" sz="2500" dirty="0" smtClean="0"/>
+              <a:t>	or do a task</a:t>
+            </a:r>
           </a:p>
           <a:p>
             <a:pPr marL="1657350" lvl="2" indent="-742950">
@@ -7188,13 +7048,8 @@
             </a:pPr>
             <a:r>
               <a:rPr lang="en-US" sz="2500" dirty="0" smtClean="0"/>
-              <a:t>Syntax refers to a programming languages textual 	</a:t>
-            </a:r>
-            <a:r>
-              <a:rPr lang="en-US" sz="2500" dirty="0" smtClean="0"/>
-              <a:t>features</a:t>
-            </a:r>
-            <a:endParaRPr lang="en-US" sz="2500" dirty="0" smtClean="0"/>
+              <a:t>Syntax refers to a programming languages textual 	features</a:t>
+            </a:r>
           </a:p>
         </p:txBody>
       </p:sp>
@@ -7639,13 +7494,8 @@
             </a:pPr>
             <a:r>
               <a:rPr lang="en-US" sz="2500" dirty="0" smtClean="0"/>
-              <a:t>A step by step sequence of </a:t>
-            </a:r>
-            <a:r>
-              <a:rPr lang="en-US" sz="2500" dirty="0" smtClean="0"/>
-              <a:t>instructions</a:t>
-            </a:r>
-            <a:endParaRPr lang="en-US" sz="2500" dirty="0" smtClean="0"/>
+              <a:t>A step by step sequence of instructions</a:t>
+            </a:r>
           </a:p>
           <a:p>
             <a:pPr marL="1657350" lvl="2" indent="-742950">
@@ -7654,13 +7504,8 @@
             </a:pPr>
             <a:r>
               <a:rPr lang="en-US" sz="2500" dirty="0" smtClean="0"/>
-              <a:t>Changes the state of the </a:t>
-            </a:r>
-            <a:r>
-              <a:rPr lang="en-US" sz="2500" dirty="0" smtClean="0"/>
-              <a:t>program</a:t>
-            </a:r>
-            <a:endParaRPr lang="en-US" sz="2500" dirty="0" smtClean="0"/>
+              <a:t>Changes the state of the program</a:t>
+            </a:r>
           </a:p>
           <a:p>
             <a:pPr marL="1657350" lvl="2" indent="-742950">
@@ -7680,13 +7525,8 @@
             </a:r>
             <a:r>
               <a:rPr lang="en-US" sz="2500" dirty="0" smtClean="0"/>
-              <a:t>and C</a:t>
-            </a:r>
-            <a:r>
-              <a:rPr lang="en-US" sz="2500" dirty="0" smtClean="0"/>
-              <a:t>++</a:t>
-            </a:r>
-            <a:endParaRPr lang="en-US" sz="2500" dirty="0" smtClean="0"/>
+              <a:t>and C++</a:t>
+            </a:r>
           </a:p>
         </p:txBody>
       </p:sp>
@@ -7980,11 +7820,7 @@
             </a:r>
             <a:r>
               <a:rPr lang="en-AU" sz="2000" dirty="0" smtClean="0"/>
-              <a:t>the four main principles of </a:t>
-            </a:r>
-            <a:r>
-              <a:rPr lang="en-AU" sz="2000" dirty="0" smtClean="0"/>
-              <a:t>OO</a:t>
+              <a:t>the four main principles of OO</a:t>
             </a:r>
             <a:endParaRPr lang="en-US" sz="2000" dirty="0" smtClean="0"/>
           </a:p>
@@ -7995,13 +7831,8 @@
             </a:pPr>
             <a:r>
               <a:rPr lang="en-US" sz="2500" dirty="0" smtClean="0"/>
-              <a:t>Examples of functional languages are Haskell and F</a:t>
-            </a:r>
-            <a:r>
-              <a:rPr lang="en-US" sz="2500" dirty="0" smtClean="0"/>
-              <a:t>#</a:t>
-            </a:r>
-            <a:endParaRPr lang="en-US" sz="2500" dirty="0" smtClean="0"/>
+              <a:t>Examples of functional languages are Haskell and F#</a:t>
+            </a:r>
           </a:p>
         </p:txBody>
       </p:sp>
